--- a/kushalcshah@outlook.com/Final Presentation.pptx
+++ b/kushalcshah@outlook.com/Final Presentation.pptx
@@ -325,7 +325,7 @@
   <pc:docChgLst>
     <pc:chgData name="Kushal Shah" userId="080eea40-0604-416d-a1c9-b69e19e6a706" providerId="ADAL" clId="{3B941823-E9FC-4645-94F1-7A6F001F180A}"/>
     <pc:docChg chg="custSel modSld">
-      <pc:chgData name="Kushal Shah" userId="080eea40-0604-416d-a1c9-b69e19e6a706" providerId="ADAL" clId="{3B941823-E9FC-4645-94F1-7A6F001F180A}" dt="2020-07-20T00:37:06.674" v="47" actId="14100"/>
+      <pc:chgData name="Kushal Shah" userId="080eea40-0604-416d-a1c9-b69e19e6a706" providerId="ADAL" clId="{3B941823-E9FC-4645-94F1-7A6F001F180A}" dt="2020-07-20T02:30:32.627" v="50" actId="20577"/>
       <pc:docMkLst>
         <pc:docMk/>
       </pc:docMkLst>
@@ -364,6 +364,36 @@
             <pc:docMk/>
             <pc:sldMk cId="0" sldId="273"/>
             <ac:spMk id="163" creationId="{00000000-0000-0000-0000-000000000000}"/>
+          </ac:spMkLst>
+        </pc:spChg>
+      </pc:sldChg>
+      <pc:sldChg chg="modSp mod">
+        <pc:chgData name="Kushal Shah" userId="080eea40-0604-416d-a1c9-b69e19e6a706" providerId="ADAL" clId="{3B941823-E9FC-4645-94F1-7A6F001F180A}" dt="2020-07-20T02:30:32.627" v="50" actId="20577"/>
+        <pc:sldMkLst>
+          <pc:docMk/>
+          <pc:sldMk cId="0" sldId="291"/>
+        </pc:sldMkLst>
+        <pc:spChg chg="mod">
+          <ac:chgData name="Kushal Shah" userId="080eea40-0604-416d-a1c9-b69e19e6a706" providerId="ADAL" clId="{3B941823-E9FC-4645-94F1-7A6F001F180A}" dt="2020-07-20T02:30:32.627" v="50" actId="20577"/>
+          <ac:spMkLst>
+            <pc:docMk/>
+            <pc:sldMk cId="0" sldId="291"/>
+            <ac:spMk id="275" creationId="{00000000-0000-0000-0000-000000000000}"/>
+          </ac:spMkLst>
+        </pc:spChg>
+      </pc:sldChg>
+      <pc:sldChg chg="modSp mod">
+        <pc:chgData name="Kushal Shah" userId="080eea40-0604-416d-a1c9-b69e19e6a706" providerId="ADAL" clId="{3B941823-E9FC-4645-94F1-7A6F001F180A}" dt="2020-07-20T02:30:15.015" v="48" actId="20577"/>
+        <pc:sldMkLst>
+          <pc:docMk/>
+          <pc:sldMk cId="0" sldId="296"/>
+        </pc:sldMkLst>
+        <pc:spChg chg="mod">
+          <ac:chgData name="Kushal Shah" userId="080eea40-0604-416d-a1c9-b69e19e6a706" providerId="ADAL" clId="{3B941823-E9FC-4645-94F1-7A6F001F180A}" dt="2020-07-20T02:30:15.015" v="48" actId="20577"/>
+          <ac:spMkLst>
+            <pc:docMk/>
+            <pc:sldMk cId="0" sldId="296"/>
+            <ac:spMk id="309" creationId="{00000000-0000-0000-0000-000000000000}"/>
           </ac:spMkLst>
         </pc:spChg>
       </pc:sldChg>
@@ -3858,7 +3888,7 @@
         </p:nvSpPr>
         <p:spPr>
           <a:xfrm>
-            <a:off x="381300" y="685800"/>
+            <a:off x="381000" y="685800"/>
             <a:ext cx="6096000" cy="3429000"/>
           </a:xfrm>
           <a:custGeom>
@@ -4482,7 +4512,7 @@
         </p:nvSpPr>
         <p:spPr>
           <a:xfrm>
-            <a:off x="381300" y="685800"/>
+            <a:off x="381000" y="685800"/>
             <a:ext cx="6096000" cy="3429000"/>
           </a:xfrm>
           <a:custGeom>
@@ -28605,10 +28635,10 @@
               <a:buNone/>
             </a:pPr>
             <a:r>
-              <a:rPr lang="en-GB"/>
-              <a:t>There are two main differences between the run and pass play only graphs. The overall rating of every cluster drops dramatically for run plays because there are less opportunities to acquire the game statistics used to calculate the model.</a:t>
+              <a:rPr lang="en-GB" dirty="0"/>
+              <a:t>There are two main differences between the run and pass play only graphs. The overall rating of every cluster drops dramatically for run plays because there are less opportunities to acquire the game statistics used to calculate the model</a:t>
             </a:r>
-            <a:endParaRPr/>
+            <a:endParaRPr dirty="0"/>
           </a:p>
           <a:p>
             <a:pPr marL="0" lvl="0" indent="0" algn="l" rtl="0">
@@ -28621,10 +28651,10 @@
               <a:buNone/>
             </a:pPr>
             <a:r>
-              <a:rPr lang="en-GB"/>
-              <a:t>Moreover, the random forest defined defensive tackle clusters saw a major hit to their ratings in comparison to their defensive end and hybrid counterparts. This is most likely due to the relative importance of tackles to stop the run versus to get to the quarterback. There are also less tackles playing in obvious passing situations.</a:t>
+              <a:rPr lang="en-GB" dirty="0"/>
+              <a:t>Moreover, the random forest defined defensive tackle clusters saw a major hit to their ratings in comparison to their defensive end and hybrid counterparts. This is most likely due to the relative importance of tackles to stop the run versus to get to the quarterback. There are also less tackles playing in obvious passing situations</a:t>
             </a:r>
-            <a:endParaRPr/>
+            <a:endParaRPr dirty="0"/>
           </a:p>
           <a:p>
             <a:pPr marL="0" lvl="0" indent="0" algn="l" rtl="0">
@@ -28637,10 +28667,10 @@
               <a:buNone/>
             </a:pPr>
             <a:r>
-              <a:rPr lang="en-GB"/>
+              <a:rPr lang="en-GB" dirty="0"/>
               <a:t>Overall, DT_4 has the highest average rating for rushing plays while DE_5 and Hybrid_2 top the charts for passing plays</a:t>
             </a:r>
-            <a:endParaRPr/>
+            <a:endParaRPr dirty="0"/>
           </a:p>
         </p:txBody>
       </p:sp>
@@ -29453,10 +29483,10 @@
               <a:buNone/>
             </a:pPr>
             <a:r>
-              <a:rPr lang="en-GB"/>
-              <a:t>We can see that the DE position groups have a majority of their player play as a part of a 4-3 scheme </a:t>
+              <a:rPr lang="en-GB" dirty="0"/>
+              <a:t>We can see that the DE position groups have a majority of their players play as a part of a 4-3 scheme </a:t>
             </a:r>
-            <a:endParaRPr/>
+            <a:endParaRPr dirty="0"/>
           </a:p>
           <a:p>
             <a:pPr marL="0" lvl="0" indent="0" algn="l" rtl="0">
@@ -29469,10 +29499,10 @@
               <a:buNone/>
             </a:pPr>
             <a:r>
-              <a:rPr lang="en-GB"/>
+              <a:rPr lang="en-GB" dirty="0"/>
               <a:t>DT and Hybrid groups are spread more evenly across the different defensive schemes</a:t>
             </a:r>
-            <a:endParaRPr/>
+            <a:endParaRPr dirty="0"/>
           </a:p>
           <a:p>
             <a:pPr marL="0" lvl="0" indent="0" algn="l" rtl="0">
@@ -29484,7 +29514,7 @@
               </a:spcAft>
               <a:buNone/>
             </a:pPr>
-            <a:endParaRPr/>
+            <a:endParaRPr dirty="0"/>
           </a:p>
           <a:p>
             <a:pPr marL="0" lvl="0" indent="0" algn="l" rtl="0">
@@ -29496,7 +29526,7 @@
               </a:spcAft>
               <a:buNone/>
             </a:pPr>
-            <a:endParaRPr/>
+            <a:endParaRPr dirty="0"/>
           </a:p>
         </p:txBody>
       </p:sp>
